--- a/GitHub.pptx
+++ b/GitHub.pptx
@@ -3996,11 +3996,7 @@
             </a:r>
             <a:r>
               <a:rPr lang="en-NZ" sz="3600" dirty="0" smtClean="0"/>
-              <a:t> </a:t>
-            </a:r>
-            <a:r>
-              <a:rPr lang="en-NZ" sz="3600" dirty="0" smtClean="0"/>
-              <a:t>using commands.</a:t>
+              <a:t> using commands.</a:t>
             </a:r>
             <a:endParaRPr lang="en-NZ" sz="3600" dirty="0"/>
           </a:p>
@@ -4018,6 +4014,7 @@
         </p:nvPicPr>
         <p:blipFill>
           <a:blip r:embed="rId2" cstate="print"/>
+          <a:srcRect b="6944"/>
           <a:stretch>
             <a:fillRect/>
           </a:stretch>
@@ -4025,7 +4022,7 @@
         <p:spPr bwMode="auto">
           <a:xfrm>
             <a:off x="668373" y="1935163"/>
-            <a:ext cx="7807254" cy="4389437"/>
+            <a:ext cx="7807254" cy="4084637"/>
           </a:xfrm>
           <a:prstGeom prst="rect">
             <a:avLst/>
@@ -5050,11 +5047,7 @@
             </a:r>
             <a:r>
               <a:rPr lang="en-NZ" sz="1900" dirty="0" smtClean="0"/>
-              <a:t>// </a:t>
-            </a:r>
-            <a:r>
-              <a:rPr lang="en-NZ" sz="1900" dirty="0" smtClean="0"/>
-              <a:t>Add File(s) To Index.</a:t>
+              <a:t>// Add File(s) To Index.</a:t>
             </a:r>
           </a:p>
           <a:p>
@@ -5082,11 +5075,7 @@
             </a:r>
             <a:r>
               <a:rPr lang="en-NZ" sz="1900" dirty="0" smtClean="0"/>
-              <a:t>// </a:t>
-            </a:r>
-            <a:r>
-              <a:rPr lang="en-NZ" sz="1900" dirty="0" smtClean="0"/>
-              <a:t>Commit changes in index</a:t>
+              <a:t>// Commit changes in index</a:t>
             </a:r>
           </a:p>
           <a:p>
@@ -5110,11 +5099,7 @@
             </a:r>
             <a:r>
               <a:rPr lang="en-NZ" sz="1900" dirty="0" smtClean="0"/>
-              <a:t>// </a:t>
-            </a:r>
-            <a:r>
-              <a:rPr lang="en-NZ" sz="1900" dirty="0" smtClean="0"/>
-              <a:t>Push to remote repository</a:t>
+              <a:t>// Push to remote repository</a:t>
             </a:r>
           </a:p>
           <a:p>
@@ -5220,6 +5205,7 @@
         </p:nvPicPr>
         <p:blipFill>
           <a:blip r:embed="rId2" cstate="print"/>
+          <a:srcRect b="5208"/>
           <a:stretch>
             <a:fillRect/>
           </a:stretch>
@@ -5227,7 +5213,7 @@
         <p:spPr bwMode="auto">
           <a:xfrm>
             <a:off x="668373" y="1935163"/>
-            <a:ext cx="7807254" cy="4389437"/>
+            <a:ext cx="7807254" cy="4160837"/>
           </a:xfrm>
           <a:prstGeom prst="rect">
             <a:avLst/>
@@ -5305,6 +5291,7 @@
         </p:nvPicPr>
         <p:blipFill>
           <a:blip r:embed="rId2" cstate="print"/>
+          <a:srcRect b="5208"/>
           <a:stretch>
             <a:fillRect/>
           </a:stretch>
@@ -5312,7 +5299,7 @@
         <p:spPr bwMode="auto">
           <a:xfrm>
             <a:off x="668373" y="1935163"/>
-            <a:ext cx="7807254" cy="4389437"/>
+            <a:ext cx="7807254" cy="4160837"/>
           </a:xfrm>
           <a:prstGeom prst="rect">
             <a:avLst/>
